--- a/PSD/操作説明(コントローラー入り).pptx
+++ b/PSD/操作説明(コントローラー入り).pptx
@@ -243,7 +243,7 @@
           <a:p>
             <a:fld id="{3DE19328-0B18-4B19-9CB0-D4BB2A53BF0E}" type="datetimeFigureOut">
               <a:rPr kumimoji="1" lang="ja-JP" altLang="en-US" smtClean="0"/>
-              <a:t>2022/10/31</a:t>
+              <a:t>2022/11/11</a:t>
             </a:fld>
             <a:endParaRPr kumimoji="1" lang="ja-JP" altLang="en-US"/>
           </a:p>
@@ -445,7 +445,7 @@
           <a:p>
             <a:fld id="{3DE19328-0B18-4B19-9CB0-D4BB2A53BF0E}" type="datetimeFigureOut">
               <a:rPr kumimoji="1" lang="ja-JP" altLang="en-US" smtClean="0"/>
-              <a:t>2022/10/31</a:t>
+              <a:t>2022/11/11</a:t>
             </a:fld>
             <a:endParaRPr kumimoji="1" lang="ja-JP" altLang="en-US"/>
           </a:p>
@@ -657,7 +657,7 @@
           <a:p>
             <a:fld id="{3DE19328-0B18-4B19-9CB0-D4BB2A53BF0E}" type="datetimeFigureOut">
               <a:rPr kumimoji="1" lang="ja-JP" altLang="en-US" smtClean="0"/>
-              <a:t>2022/10/31</a:t>
+              <a:t>2022/11/11</a:t>
             </a:fld>
             <a:endParaRPr kumimoji="1" lang="ja-JP" altLang="en-US"/>
           </a:p>
@@ -859,7 +859,7 @@
           <a:p>
             <a:fld id="{3DE19328-0B18-4B19-9CB0-D4BB2A53BF0E}" type="datetimeFigureOut">
               <a:rPr kumimoji="1" lang="ja-JP" altLang="en-US" smtClean="0"/>
-              <a:t>2022/10/31</a:t>
+              <a:t>2022/11/11</a:t>
             </a:fld>
             <a:endParaRPr kumimoji="1" lang="ja-JP" altLang="en-US"/>
           </a:p>
@@ -1105,7 +1105,7 @@
           <a:p>
             <a:fld id="{3DE19328-0B18-4B19-9CB0-D4BB2A53BF0E}" type="datetimeFigureOut">
               <a:rPr kumimoji="1" lang="ja-JP" altLang="en-US" smtClean="0"/>
-              <a:t>2022/10/31</a:t>
+              <a:t>2022/11/11</a:t>
             </a:fld>
             <a:endParaRPr kumimoji="1" lang="ja-JP" altLang="en-US"/>
           </a:p>
@@ -1401,7 +1401,7 @@
           <a:p>
             <a:fld id="{3DE19328-0B18-4B19-9CB0-D4BB2A53BF0E}" type="datetimeFigureOut">
               <a:rPr kumimoji="1" lang="ja-JP" altLang="en-US" smtClean="0"/>
-              <a:t>2022/10/31</a:t>
+              <a:t>2022/11/11</a:t>
             </a:fld>
             <a:endParaRPr kumimoji="1" lang="ja-JP" altLang="en-US"/>
           </a:p>
@@ -1832,7 +1832,7 @@
           <a:p>
             <a:fld id="{3DE19328-0B18-4B19-9CB0-D4BB2A53BF0E}" type="datetimeFigureOut">
               <a:rPr kumimoji="1" lang="ja-JP" altLang="en-US" smtClean="0"/>
-              <a:t>2022/10/31</a:t>
+              <a:t>2022/11/11</a:t>
             </a:fld>
             <a:endParaRPr kumimoji="1" lang="ja-JP" altLang="en-US"/>
           </a:p>
@@ -1950,7 +1950,7 @@
           <a:p>
             <a:fld id="{3DE19328-0B18-4B19-9CB0-D4BB2A53BF0E}" type="datetimeFigureOut">
               <a:rPr kumimoji="1" lang="ja-JP" altLang="en-US" smtClean="0"/>
-              <a:t>2022/10/31</a:t>
+              <a:t>2022/11/11</a:t>
             </a:fld>
             <a:endParaRPr kumimoji="1" lang="ja-JP" altLang="en-US"/>
           </a:p>
@@ -2045,7 +2045,7 @@
           <a:p>
             <a:fld id="{3DE19328-0B18-4B19-9CB0-D4BB2A53BF0E}" type="datetimeFigureOut">
               <a:rPr kumimoji="1" lang="ja-JP" altLang="en-US" smtClean="0"/>
-              <a:t>2022/10/31</a:t>
+              <a:t>2022/11/11</a:t>
             </a:fld>
             <a:endParaRPr kumimoji="1" lang="ja-JP" altLang="en-US"/>
           </a:p>
@@ -2354,7 +2354,7 @@
           <a:p>
             <a:fld id="{3DE19328-0B18-4B19-9CB0-D4BB2A53BF0E}" type="datetimeFigureOut">
               <a:rPr kumimoji="1" lang="ja-JP" altLang="en-US" smtClean="0"/>
-              <a:t>2022/10/31</a:t>
+              <a:t>2022/11/11</a:t>
             </a:fld>
             <a:endParaRPr kumimoji="1" lang="ja-JP" altLang="en-US"/>
           </a:p>
@@ -2607,7 +2607,7 @@
           <a:p>
             <a:fld id="{3DE19328-0B18-4B19-9CB0-D4BB2A53BF0E}" type="datetimeFigureOut">
               <a:rPr kumimoji="1" lang="ja-JP" altLang="en-US" smtClean="0"/>
-              <a:t>2022/10/31</a:t>
+              <a:t>2022/11/11</a:t>
             </a:fld>
             <a:endParaRPr kumimoji="1" lang="ja-JP" altLang="en-US"/>
           </a:p>
@@ -2852,7 +2852,7 @@
           <a:p>
             <a:fld id="{3DE19328-0B18-4B19-9CB0-D4BB2A53BF0E}" type="datetimeFigureOut">
               <a:rPr kumimoji="1" lang="ja-JP" altLang="en-US" smtClean="0"/>
-              <a:t>2022/10/31</a:t>
+              <a:t>2022/11/11</a:t>
             </a:fld>
             <a:endParaRPr kumimoji="1" lang="ja-JP" altLang="en-US"/>
           </a:p>
@@ -3278,8 +3278,8 @@
         </p:nvSpPr>
         <p:spPr>
           <a:xfrm>
-            <a:off x="4101612" y="9525"/>
-            <a:ext cx="3666392" cy="1015663"/>
+            <a:off x="2244311" y="17733"/>
+            <a:ext cx="7687491" cy="1015663"/>
           </a:xfrm>
           <a:prstGeom prst="rect">
             <a:avLst/>
@@ -3297,7 +3297,7 @@
               <a:rPr kumimoji="1" lang="ja-JP" altLang="en-US" sz="6000" dirty="0" smtClean="0">
                 <a:ln w="0"/>
                 <a:solidFill>
-                  <a:schemeClr val="accent1"/>
+                  <a:schemeClr val="bg1"/>
                 </a:solidFill>
                 <a:effectLst>
                   <a:glow rad="139700">
@@ -3315,9 +3315,36 @@
                 <a:latin typeface="あんずもじ2020" panose="02000600000000000000" pitchFamily="2" charset="-128"/>
                 <a:ea typeface="あんずもじ2020" panose="02000600000000000000" pitchFamily="2" charset="-128"/>
               </a:rPr>
-              <a:t>ルール説明</a:t>
+              <a:t>ルール</a:t>
+            </a:r>
+            <a:r>
+              <a:rPr kumimoji="1" lang="ja-JP" altLang="en-US" sz="6000" dirty="0" smtClean="0">
+                <a:ln w="0"/>
+                <a:solidFill>
+                  <a:schemeClr val="bg1"/>
+                </a:solidFill>
+                <a:effectLst>
+                  <a:glow rad="139700">
+                    <a:schemeClr val="accent1">
+                      <a:satMod val="175000"/>
+                      <a:alpha val="40000"/>
+                    </a:schemeClr>
+                  </a:glow>
+                  <a:outerShdw blurRad="38100" dist="25400" dir="5400000" algn="ctr" rotWithShape="0">
+                    <a:srgbClr val="6E747A">
+                      <a:alpha val="43000"/>
+                    </a:srgbClr>
+                  </a:outerShdw>
+                </a:effectLst>
+                <a:latin typeface="あんずもじ2020" panose="02000600000000000000" pitchFamily="2" charset="-128"/>
+                <a:ea typeface="あんずもじ2020" panose="02000600000000000000" pitchFamily="2" charset="-128"/>
+              </a:rPr>
+              <a:t>説明</a:t>
             </a:r>
             <a:endParaRPr kumimoji="1" lang="ja-JP" altLang="en-US" b="1" dirty="0">
+              <a:solidFill>
+                <a:schemeClr val="bg1"/>
+              </a:solidFill>
               <a:effectLst>
                 <a:glow rad="139700">
                   <a:schemeClr val="accent1">
@@ -3345,7 +3372,7 @@
         </p:nvSpPr>
         <p:spPr>
           <a:xfrm>
-            <a:off x="105509" y="1567302"/>
+            <a:off x="135551" y="1304558"/>
             <a:ext cx="7000142" cy="1446550"/>
           </a:xfrm>
           <a:prstGeom prst="rect">
@@ -3371,14 +3398,7 @@
                 <a:latin typeface="03スマートフォントUI" panose="02000600000000000000" pitchFamily="50" charset="-128"/>
                 <a:ea typeface="03スマートフォントUI" panose="02000600000000000000" pitchFamily="50" charset="-128"/>
               </a:rPr>
-              <a:t>で</a:t>
-            </a:r>
-            <a:r>
-              <a:rPr kumimoji="1" lang="ja-JP" altLang="en-US" sz="4400" dirty="0" smtClean="0">
-                <a:latin typeface="03スマートフォントUI" panose="02000600000000000000" pitchFamily="50" charset="-128"/>
-                <a:ea typeface="03スマートフォントUI" panose="02000600000000000000" pitchFamily="50" charset="-128"/>
-              </a:rPr>
-              <a:t>風船を割って点数を競うゲームです。</a:t>
+              <a:t>で風船を割って点数を競うゲームです。</a:t>
             </a:r>
             <a:endParaRPr kumimoji="1" lang="en-US" altLang="ja-JP" sz="4400" dirty="0" smtClean="0">
               <a:latin typeface="03スマートフォントUI" panose="02000600000000000000" pitchFamily="50" charset="-128"/>
@@ -3395,7 +3415,7 @@
         </p:nvSpPr>
         <p:spPr>
           <a:xfrm>
-            <a:off x="105508" y="3013852"/>
+            <a:off x="135550" y="2751108"/>
             <a:ext cx="5829300" cy="1846659"/>
           </a:xfrm>
           <a:prstGeom prst="rect">
@@ -3759,7 +3779,7 @@
         </p:blipFill>
         <p:spPr>
           <a:xfrm>
-            <a:off x="111433" y="4844333"/>
+            <a:off x="123175" y="4552950"/>
             <a:ext cx="1514475" cy="1374386"/>
           </a:xfrm>
           <a:prstGeom prst="rect">
@@ -3775,7 +3795,7 @@
         </p:nvSpPr>
         <p:spPr>
           <a:xfrm>
-            <a:off x="1786604" y="4844333"/>
+            <a:off x="1798346" y="4552950"/>
             <a:ext cx="2457450" cy="707886"/>
           </a:xfrm>
           <a:prstGeom prst="rect">
@@ -3817,8 +3837,8 @@
         </p:nvSpPr>
         <p:spPr>
           <a:xfrm>
-            <a:off x="1733861" y="5552219"/>
-            <a:ext cx="5361844" cy="523220"/>
+            <a:off x="1764034" y="5140185"/>
+            <a:ext cx="5361844" cy="954107"/>
           </a:xfrm>
           <a:prstGeom prst="rect">
             <a:avLst/>
@@ -3836,7 +3856,27 @@
                 <a:latin typeface="03スマートフォントUI" panose="02000600000000000000" pitchFamily="50" charset="-128"/>
                 <a:ea typeface="03スマートフォントUI" panose="02000600000000000000" pitchFamily="50" charset="-128"/>
               </a:rPr>
-              <a:t>ぶつけると相手がスピンします。</a:t>
+              <a:t>アイテムボックスから取得でき、</a:t>
+            </a:r>
+            <a:endParaRPr kumimoji="1" lang="en-US" altLang="ja-JP" sz="2800" dirty="0" smtClean="0">
+              <a:latin typeface="03スマートフォントUI" panose="02000600000000000000" pitchFamily="50" charset="-128"/>
+              <a:ea typeface="03スマートフォントUI" panose="02000600000000000000" pitchFamily="50" charset="-128"/>
+            </a:endParaRPr>
+          </a:p>
+          <a:p>
+            <a:r>
+              <a:rPr kumimoji="1" lang="ja-JP" altLang="en-US" sz="2800" dirty="0" smtClean="0">
+                <a:latin typeface="03スマートフォントUI" panose="02000600000000000000" pitchFamily="50" charset="-128"/>
+                <a:ea typeface="03スマートフォントUI" panose="02000600000000000000" pitchFamily="50" charset="-128"/>
+              </a:rPr>
+              <a:t>ぶつける</a:t>
+            </a:r>
+            <a:r>
+              <a:rPr kumimoji="1" lang="ja-JP" altLang="en-US" sz="2800" dirty="0" smtClean="0">
+                <a:latin typeface="03スマートフォントUI" panose="02000600000000000000" pitchFamily="50" charset="-128"/>
+                <a:ea typeface="03スマートフォントUI" panose="02000600000000000000" pitchFamily="50" charset="-128"/>
+              </a:rPr>
+              <a:t>と相手がスピンします。</a:t>
             </a:r>
             <a:endParaRPr kumimoji="1" lang="ja-JP" altLang="en-US" sz="1400" dirty="0">
               <a:latin typeface="03スマートフォントUI" panose="02000600000000000000" pitchFamily="50" charset="-128"/>
@@ -4306,7 +4346,62 @@
       </a:bgFillStyleLst>
     </a:fmtScheme>
   </a:themeElements>
-  <a:objectDefaults/>
+  <a:objectDefaults>
+    <a:spDef>
+      <a:spPr>
+        <a:gradFill>
+          <a:gsLst>
+            <a:gs pos="0">
+              <a:srgbClr val="7575FF">
+                <a:alpha val="63000"/>
+              </a:srgbClr>
+            </a:gs>
+            <a:gs pos="50000">
+              <a:srgbClr val="B685FF">
+                <a:alpha val="10000"/>
+              </a:srgbClr>
+            </a:gs>
+            <a:gs pos="100000">
+              <a:srgbClr val="7575FF">
+                <a:alpha val="75000"/>
+              </a:srgbClr>
+            </a:gs>
+          </a:gsLst>
+          <a:lin ang="16200000" scaled="1"/>
+        </a:gradFill>
+        <a:ln>
+          <a:solidFill>
+            <a:schemeClr val="accent1">
+              <a:shade val="50000"/>
+              <a:alpha val="95000"/>
+            </a:schemeClr>
+          </a:solidFill>
+        </a:ln>
+      </a:spPr>
+      <a:bodyPr rtlCol="0" anchor="ctr"/>
+      <a:lstStyle>
+        <a:defPPr algn="ctr">
+          <a:defRPr kumimoji="1"/>
+        </a:defPPr>
+      </a:lstStyle>
+      <a:style>
+        <a:lnRef idx="2">
+          <a:schemeClr val="accent1">
+            <a:shade val="50000"/>
+          </a:schemeClr>
+        </a:lnRef>
+        <a:fillRef idx="1">
+          <a:schemeClr val="accent1"/>
+        </a:fillRef>
+        <a:effectRef idx="0">
+          <a:schemeClr val="accent1"/>
+        </a:effectRef>
+        <a:fontRef idx="minor">
+          <a:schemeClr val="lt1"/>
+        </a:fontRef>
+      </a:style>
+    </a:spDef>
+  </a:objectDefaults>
   <a:extraClrSchemeLst/>
   <a:extLst>
     <a:ext uri="{05A4C25C-085E-4340-85A3-A5531E510DB2}">

--- a/PSD/操作説明(コントローラー入り).pptx
+++ b/PSD/操作説明(コントローラー入り).pptx
@@ -243,7 +243,7 @@
           <a:p>
             <a:fld id="{3DE19328-0B18-4B19-9CB0-D4BB2A53BF0E}" type="datetimeFigureOut">
               <a:rPr kumimoji="1" lang="ja-JP" altLang="en-US" smtClean="0"/>
-              <a:t>2022/11/11</a:t>
+              <a:t>2022/11/16</a:t>
             </a:fld>
             <a:endParaRPr kumimoji="1" lang="ja-JP" altLang="en-US"/>
           </a:p>
@@ -445,7 +445,7 @@
           <a:p>
             <a:fld id="{3DE19328-0B18-4B19-9CB0-D4BB2A53BF0E}" type="datetimeFigureOut">
               <a:rPr kumimoji="1" lang="ja-JP" altLang="en-US" smtClean="0"/>
-              <a:t>2022/11/11</a:t>
+              <a:t>2022/11/16</a:t>
             </a:fld>
             <a:endParaRPr kumimoji="1" lang="ja-JP" altLang="en-US"/>
           </a:p>
@@ -657,7 +657,7 @@
           <a:p>
             <a:fld id="{3DE19328-0B18-4B19-9CB0-D4BB2A53BF0E}" type="datetimeFigureOut">
               <a:rPr kumimoji="1" lang="ja-JP" altLang="en-US" smtClean="0"/>
-              <a:t>2022/11/11</a:t>
+              <a:t>2022/11/16</a:t>
             </a:fld>
             <a:endParaRPr kumimoji="1" lang="ja-JP" altLang="en-US"/>
           </a:p>
@@ -859,7 +859,7 @@
           <a:p>
             <a:fld id="{3DE19328-0B18-4B19-9CB0-D4BB2A53BF0E}" type="datetimeFigureOut">
               <a:rPr kumimoji="1" lang="ja-JP" altLang="en-US" smtClean="0"/>
-              <a:t>2022/11/11</a:t>
+              <a:t>2022/11/16</a:t>
             </a:fld>
             <a:endParaRPr kumimoji="1" lang="ja-JP" altLang="en-US"/>
           </a:p>
@@ -1105,7 +1105,7 @@
           <a:p>
             <a:fld id="{3DE19328-0B18-4B19-9CB0-D4BB2A53BF0E}" type="datetimeFigureOut">
               <a:rPr kumimoji="1" lang="ja-JP" altLang="en-US" smtClean="0"/>
-              <a:t>2022/11/11</a:t>
+              <a:t>2022/11/16</a:t>
             </a:fld>
             <a:endParaRPr kumimoji="1" lang="ja-JP" altLang="en-US"/>
           </a:p>
@@ -1401,7 +1401,7 @@
           <a:p>
             <a:fld id="{3DE19328-0B18-4B19-9CB0-D4BB2A53BF0E}" type="datetimeFigureOut">
               <a:rPr kumimoji="1" lang="ja-JP" altLang="en-US" smtClean="0"/>
-              <a:t>2022/11/11</a:t>
+              <a:t>2022/11/16</a:t>
             </a:fld>
             <a:endParaRPr kumimoji="1" lang="ja-JP" altLang="en-US"/>
           </a:p>
@@ -1832,7 +1832,7 @@
           <a:p>
             <a:fld id="{3DE19328-0B18-4B19-9CB0-D4BB2A53BF0E}" type="datetimeFigureOut">
               <a:rPr kumimoji="1" lang="ja-JP" altLang="en-US" smtClean="0"/>
-              <a:t>2022/11/11</a:t>
+              <a:t>2022/11/16</a:t>
             </a:fld>
             <a:endParaRPr kumimoji="1" lang="ja-JP" altLang="en-US"/>
           </a:p>
@@ -1950,7 +1950,7 @@
           <a:p>
             <a:fld id="{3DE19328-0B18-4B19-9CB0-D4BB2A53BF0E}" type="datetimeFigureOut">
               <a:rPr kumimoji="1" lang="ja-JP" altLang="en-US" smtClean="0"/>
-              <a:t>2022/11/11</a:t>
+              <a:t>2022/11/16</a:t>
             </a:fld>
             <a:endParaRPr kumimoji="1" lang="ja-JP" altLang="en-US"/>
           </a:p>
@@ -2045,7 +2045,7 @@
           <a:p>
             <a:fld id="{3DE19328-0B18-4B19-9CB0-D4BB2A53BF0E}" type="datetimeFigureOut">
               <a:rPr kumimoji="1" lang="ja-JP" altLang="en-US" smtClean="0"/>
-              <a:t>2022/11/11</a:t>
+              <a:t>2022/11/16</a:t>
             </a:fld>
             <a:endParaRPr kumimoji="1" lang="ja-JP" altLang="en-US"/>
           </a:p>
@@ -2354,7 +2354,7 @@
           <a:p>
             <a:fld id="{3DE19328-0B18-4B19-9CB0-D4BB2A53BF0E}" type="datetimeFigureOut">
               <a:rPr kumimoji="1" lang="ja-JP" altLang="en-US" smtClean="0"/>
-              <a:t>2022/11/11</a:t>
+              <a:t>2022/11/16</a:t>
             </a:fld>
             <a:endParaRPr kumimoji="1" lang="ja-JP" altLang="en-US"/>
           </a:p>
@@ -2607,7 +2607,7 @@
           <a:p>
             <a:fld id="{3DE19328-0B18-4B19-9CB0-D4BB2A53BF0E}" type="datetimeFigureOut">
               <a:rPr kumimoji="1" lang="ja-JP" altLang="en-US" smtClean="0"/>
-              <a:t>2022/11/11</a:t>
+              <a:t>2022/11/16</a:t>
             </a:fld>
             <a:endParaRPr kumimoji="1" lang="ja-JP" altLang="en-US"/>
           </a:p>
@@ -2852,7 +2852,7 @@
           <a:p>
             <a:fld id="{3DE19328-0B18-4B19-9CB0-D4BB2A53BF0E}" type="datetimeFigureOut">
               <a:rPr kumimoji="1" lang="ja-JP" altLang="en-US" smtClean="0"/>
-              <a:t>2022/11/11</a:t>
+              <a:t>2022/11/16</a:t>
             </a:fld>
             <a:endParaRPr kumimoji="1" lang="ja-JP" altLang="en-US"/>
           </a:p>
@@ -3272,14 +3272,165 @@
       </p:grpSpPr>
       <p:sp>
         <p:nvSpPr>
-          <p:cNvPr id="2" name="テキスト ボックス 1"/>
+          <p:cNvPr id="15" name="角丸四角形 14"/>
+          <p:cNvSpPr/>
+          <p:nvPr/>
+        </p:nvSpPr>
+        <p:spPr>
+          <a:xfrm>
+            <a:off x="251096" y="243753"/>
+            <a:ext cx="6128745" cy="4085548"/>
+          </a:xfrm>
+          <a:prstGeom prst="roundRect">
+            <a:avLst/>
+          </a:prstGeom>
+          <a:gradFill flip="none" rotWithShape="1">
+            <a:gsLst>
+              <a:gs pos="0">
+                <a:schemeClr val="accent6">
+                  <a:tint val="66000"/>
+                  <a:satMod val="160000"/>
+                </a:schemeClr>
+              </a:gs>
+              <a:gs pos="50000">
+                <a:schemeClr val="accent6">
+                  <a:tint val="44500"/>
+                  <a:satMod val="160000"/>
+                </a:schemeClr>
+              </a:gs>
+              <a:gs pos="100000">
+                <a:schemeClr val="accent6">
+                  <a:tint val="23500"/>
+                  <a:satMod val="160000"/>
+                </a:schemeClr>
+              </a:gs>
+            </a:gsLst>
+            <a:lin ang="5400000" scaled="1"/>
+            <a:tileRect/>
+          </a:gradFill>
+          <a:ln>
+            <a:solidFill>
+              <a:schemeClr val="accent1">
+                <a:shade val="50000"/>
+                <a:alpha val="95000"/>
+              </a:schemeClr>
+            </a:solidFill>
+          </a:ln>
+        </p:spPr>
+        <p:style>
+          <a:lnRef idx="2">
+            <a:schemeClr val="accent1">
+              <a:shade val="50000"/>
+            </a:schemeClr>
+          </a:lnRef>
+          <a:fillRef idx="1">
+            <a:schemeClr val="accent1"/>
+          </a:fillRef>
+          <a:effectRef idx="0">
+            <a:schemeClr val="accent1"/>
+          </a:effectRef>
+          <a:fontRef idx="minor">
+            <a:schemeClr val="lt1"/>
+          </a:fontRef>
+        </p:style>
+        <p:txBody>
+          <a:bodyPr rtlCol="0" anchor="ctr"/>
+          <a:lstStyle/>
+          <a:p>
+            <a:pPr algn="ctr"/>
+            <a:endParaRPr kumimoji="1" lang="ja-JP" altLang="en-US"/>
+          </a:p>
+        </p:txBody>
+      </p:sp>
+      <p:sp>
+        <p:nvSpPr>
+          <p:cNvPr id="14" name="角丸四角形 13"/>
+          <p:cNvSpPr/>
+          <p:nvPr/>
+        </p:nvSpPr>
+        <p:spPr>
+          <a:xfrm>
+            <a:off x="6691014" y="340256"/>
+            <a:ext cx="5090928" cy="3757848"/>
+          </a:xfrm>
+          <a:prstGeom prst="roundRect">
+            <a:avLst/>
+          </a:prstGeom>
+          <a:gradFill flip="none" rotWithShape="1">
+            <a:gsLst>
+              <a:gs pos="50000">
+                <a:schemeClr val="bg1">
+                  <a:lumMod val="65000"/>
+                </a:schemeClr>
+              </a:gs>
+              <a:gs pos="0">
+                <a:schemeClr val="bg1"/>
+              </a:gs>
+              <a:gs pos="100000">
+                <a:schemeClr val="bg1"/>
+              </a:gs>
+            </a:gsLst>
+            <a:lin ang="16200000" scaled="1"/>
+            <a:tileRect/>
+          </a:gradFill>
+          <a:ln>
+            <a:solidFill>
+              <a:schemeClr val="accent1">
+                <a:shade val="50000"/>
+                <a:alpha val="95000"/>
+              </a:schemeClr>
+            </a:solidFill>
+          </a:ln>
+          <a:effectLst>
+            <a:outerShdw blurRad="50800" dist="38100" algn="l" rotWithShape="0">
+              <a:prstClr val="black">
+                <a:alpha val="40000"/>
+              </a:prstClr>
+            </a:outerShdw>
+          </a:effectLst>
+          <a:scene3d>
+            <a:camera prst="orthographicFront"/>
+            <a:lightRig rig="threePt" dir="t"/>
+          </a:scene3d>
+          <a:sp3d>
+            <a:bevelT prst="slope"/>
+          </a:sp3d>
+        </p:spPr>
+        <p:style>
+          <a:lnRef idx="2">
+            <a:schemeClr val="accent1">
+              <a:shade val="50000"/>
+            </a:schemeClr>
+          </a:lnRef>
+          <a:fillRef idx="1">
+            <a:schemeClr val="accent1"/>
+          </a:fillRef>
+          <a:effectRef idx="0">
+            <a:schemeClr val="accent1"/>
+          </a:effectRef>
+          <a:fontRef idx="minor">
+            <a:schemeClr val="lt1"/>
+          </a:fontRef>
+        </p:style>
+        <p:txBody>
+          <a:bodyPr rtlCol="0" anchor="ctr"/>
+          <a:lstStyle/>
+          <a:p>
+            <a:pPr algn="ctr"/>
+            <a:endParaRPr kumimoji="1" lang="ja-JP" altLang="en-US"/>
+          </a:p>
+        </p:txBody>
+      </p:sp>
+      <p:sp>
+        <p:nvSpPr>
+          <p:cNvPr id="3" name="テキスト ボックス 2"/>
           <p:cNvSpPr txBox="1"/>
           <p:nvPr/>
         </p:nvSpPr>
         <p:spPr>
           <a:xfrm>
-            <a:off x="2244311" y="17733"/>
-            <a:ext cx="7687491" cy="1015663"/>
+            <a:off x="249950" y="991059"/>
+            <a:ext cx="7000142" cy="1323439"/>
           </a:xfrm>
           <a:prstGeom prst="rect">
             <a:avLst/>
@@ -3292,88 +3443,107 @@
           </a:bodyPr>
           <a:lstStyle/>
           <a:p>
-            <a:pPr algn="ctr"/>
-            <a:r>
-              <a:rPr kumimoji="1" lang="ja-JP" altLang="en-US" sz="6000" dirty="0" smtClean="0">
-                <a:ln w="0"/>
+            <a:r>
+              <a:rPr lang="ja-JP" altLang="en-US" sz="3600" dirty="0">
+                <a:latin typeface="03スマートフォントUI" panose="02000600000000000000" pitchFamily="50" charset="-128"/>
+                <a:ea typeface="03スマートフォントUI" panose="02000600000000000000" pitchFamily="50" charset="-128"/>
+              </a:rPr>
+              <a:t>ゴーカート</a:t>
+            </a:r>
+            <a:r>
+              <a:rPr kumimoji="1" lang="ja-JP" altLang="en-US" sz="3600" dirty="0" smtClean="0">
+                <a:latin typeface="03スマートフォントUI" panose="02000600000000000000" pitchFamily="50" charset="-128"/>
+                <a:ea typeface="03スマートフォントUI" panose="02000600000000000000" pitchFamily="50" charset="-128"/>
+              </a:rPr>
+              <a:t>で風船を割って</a:t>
+            </a:r>
+            <a:endParaRPr kumimoji="1" lang="en-US" altLang="ja-JP" sz="3600" dirty="0" smtClean="0">
+              <a:latin typeface="03スマートフォントUI" panose="02000600000000000000" pitchFamily="50" charset="-128"/>
+              <a:ea typeface="03スマートフォントUI" panose="02000600000000000000" pitchFamily="50" charset="-128"/>
+            </a:endParaRPr>
+          </a:p>
+          <a:p>
+            <a:r>
+              <a:rPr kumimoji="1" lang="ja-JP" altLang="en-US" sz="3600" dirty="0" smtClean="0">
+                <a:latin typeface="03スマートフォントUI" panose="02000600000000000000" pitchFamily="50" charset="-128"/>
+                <a:ea typeface="03スマートフォントUI" panose="02000600000000000000" pitchFamily="50" charset="-128"/>
+              </a:rPr>
+              <a:t>点数を競うゲームです</a:t>
+            </a:r>
+            <a:r>
+              <a:rPr kumimoji="1" lang="ja-JP" altLang="en-US" sz="4400" dirty="0" smtClean="0">
+                <a:latin typeface="03スマートフォントUI" panose="02000600000000000000" pitchFamily="50" charset="-128"/>
+                <a:ea typeface="03スマートフォントUI" panose="02000600000000000000" pitchFamily="50" charset="-128"/>
+              </a:rPr>
+              <a:t>。</a:t>
+            </a:r>
+            <a:endParaRPr kumimoji="1" lang="en-US" altLang="ja-JP" sz="4400" dirty="0" smtClean="0">
+              <a:latin typeface="03スマートフォントUI" panose="02000600000000000000" pitchFamily="50" charset="-128"/>
+              <a:ea typeface="03スマートフォントUI" panose="02000600000000000000" pitchFamily="50" charset="-128"/>
+            </a:endParaRPr>
+          </a:p>
+        </p:txBody>
+      </p:sp>
+      <p:pic>
+        <p:nvPicPr>
+          <p:cNvPr id="20" name="Picture 2" descr="Xinput対応ゲームパッド - JC-U3613MBK"/>
+          <p:cNvPicPr>
+            <a:picLocks noChangeAspect="1" noChangeArrowheads="1"/>
+          </p:cNvPicPr>
+          <p:nvPr/>
+        </p:nvPicPr>
+        <p:blipFill rotWithShape="1">
+          <a:blip r:embed="rId3" cstate="print">
+            <a:extLst>
+              <a:ext uri="{BEBA8EAE-BF5A-486C-A8C5-ECC9F3942E4B}">
+                <a14:imgProps xmlns:a14="http://schemas.microsoft.com/office/drawing/2010/main">
+                  <a14:imgLayer r:embed="rId4">
+                    <a14:imgEffect>
+                      <a14:backgroundRemoval t="0" b="100000" l="500" r="100000">
+                        <a14:backgroundMark x1="46667" y1="63667" x2="66833" y2="71500"/>
+                      </a14:backgroundRemoval>
+                    </a14:imgEffect>
+                  </a14:imgLayer>
+                </a14:imgProps>
+              </a:ext>
+              <a:ext uri="{28A0092B-C50C-407E-A947-70E740481C1C}">
+                <a14:useLocalDpi xmlns:a14="http://schemas.microsoft.com/office/drawing/2010/main" val="0"/>
+              </a:ext>
+            </a:extLst>
+          </a:blip>
+          <a:srcRect t="12003"/>
+          <a:stretch/>
+        </p:blipFill>
+        <p:spPr bwMode="auto">
+          <a:xfrm>
+            <a:off x="7476295" y="1390969"/>
+            <a:ext cx="3367645" cy="2963439"/>
+          </a:xfrm>
+          <a:prstGeom prst="rect">
+            <a:avLst/>
+          </a:prstGeom>
+          <a:noFill/>
+          <a:extLst>
+            <a:ext uri="{909E8E84-426E-40DD-AFC4-6F175D3DCCD1}">
+              <a14:hiddenFill xmlns:a14="http://schemas.microsoft.com/office/drawing/2010/main">
                 <a:solidFill>
-                  <a:schemeClr val="bg1"/>
+                  <a:srgbClr val="FFFFFF"/>
                 </a:solidFill>
-                <a:effectLst>
-                  <a:glow rad="139700">
-                    <a:schemeClr val="accent1">
-                      <a:satMod val="175000"/>
-                      <a:alpha val="40000"/>
-                    </a:schemeClr>
-                  </a:glow>
-                  <a:outerShdw blurRad="38100" dist="25400" dir="5400000" algn="ctr" rotWithShape="0">
-                    <a:srgbClr val="6E747A">
-                      <a:alpha val="43000"/>
-                    </a:srgbClr>
-                  </a:outerShdw>
-                </a:effectLst>
-                <a:latin typeface="あんずもじ2020" panose="02000600000000000000" pitchFamily="2" charset="-128"/>
-                <a:ea typeface="あんずもじ2020" panose="02000600000000000000" pitchFamily="2" charset="-128"/>
-              </a:rPr>
-              <a:t>ルール</a:t>
-            </a:r>
-            <a:r>
-              <a:rPr kumimoji="1" lang="ja-JP" altLang="en-US" sz="6000" dirty="0" smtClean="0">
-                <a:ln w="0"/>
-                <a:solidFill>
-                  <a:schemeClr val="bg1"/>
-                </a:solidFill>
-                <a:effectLst>
-                  <a:glow rad="139700">
-                    <a:schemeClr val="accent1">
-                      <a:satMod val="175000"/>
-                      <a:alpha val="40000"/>
-                    </a:schemeClr>
-                  </a:glow>
-                  <a:outerShdw blurRad="38100" dist="25400" dir="5400000" algn="ctr" rotWithShape="0">
-                    <a:srgbClr val="6E747A">
-                      <a:alpha val="43000"/>
-                    </a:srgbClr>
-                  </a:outerShdw>
-                </a:effectLst>
-                <a:latin typeface="あんずもじ2020" panose="02000600000000000000" pitchFamily="2" charset="-128"/>
-                <a:ea typeface="あんずもじ2020" panose="02000600000000000000" pitchFamily="2" charset="-128"/>
-              </a:rPr>
-              <a:t>説明</a:t>
-            </a:r>
-            <a:endParaRPr kumimoji="1" lang="ja-JP" altLang="en-US" b="1" dirty="0">
-              <a:solidFill>
-                <a:schemeClr val="bg1"/>
-              </a:solidFill>
-              <a:effectLst>
-                <a:glow rad="139700">
-                  <a:schemeClr val="accent1">
-                    <a:satMod val="175000"/>
-                    <a:alpha val="40000"/>
-                  </a:schemeClr>
-                </a:glow>
-                <a:outerShdw blurRad="38100" dist="25400" dir="5400000" algn="ctr" rotWithShape="0">
-                  <a:srgbClr val="6E747A">
-                    <a:alpha val="43000"/>
-                  </a:srgbClr>
-                </a:outerShdw>
-              </a:effectLst>
-              <a:latin typeface="あんずもじ2020" panose="02000600000000000000" pitchFamily="2" charset="-128"/>
-              <a:ea typeface="あんずもじ2020" panose="02000600000000000000" pitchFamily="2" charset="-128"/>
-            </a:endParaRPr>
-          </a:p>
-        </p:txBody>
-      </p:sp>
-      <p:sp>
-        <p:nvSpPr>
-          <p:cNvPr id="3" name="テキスト ボックス 2"/>
+              </a14:hiddenFill>
+            </a:ext>
+          </a:extLst>
+        </p:spPr>
+      </p:pic>
+      <p:sp>
+        <p:nvSpPr>
+          <p:cNvPr id="4" name="テキスト ボックス 3"/>
           <p:cNvSpPr txBox="1"/>
           <p:nvPr/>
         </p:nvSpPr>
         <p:spPr>
           <a:xfrm>
-            <a:off x="135551" y="1304558"/>
-            <a:ext cx="7000142" cy="1446550"/>
+            <a:off x="262198" y="2342074"/>
+            <a:ext cx="5829300" cy="1661993"/>
           </a:xfrm>
           <a:prstGeom prst="rect">
             <a:avLst/>
@@ -3387,50 +3557,7 @@
           <a:lstStyle/>
           <a:p>
             <a:r>
-              <a:rPr lang="ja-JP" altLang="en-US" sz="4400" dirty="0">
-                <a:latin typeface="03スマートフォントUI" panose="02000600000000000000" pitchFamily="50" charset="-128"/>
-                <a:ea typeface="03スマートフォントUI" panose="02000600000000000000" pitchFamily="50" charset="-128"/>
-              </a:rPr>
-              <a:t>ゴーカート</a:t>
-            </a:r>
-            <a:r>
-              <a:rPr kumimoji="1" lang="ja-JP" altLang="en-US" sz="4400" dirty="0" smtClean="0">
-                <a:latin typeface="03スマートフォントUI" panose="02000600000000000000" pitchFamily="50" charset="-128"/>
-                <a:ea typeface="03スマートフォントUI" panose="02000600000000000000" pitchFamily="50" charset="-128"/>
-              </a:rPr>
-              <a:t>で風船を割って点数を競うゲームです。</a:t>
-            </a:r>
-            <a:endParaRPr kumimoji="1" lang="en-US" altLang="ja-JP" sz="4400" dirty="0" smtClean="0">
-              <a:latin typeface="03スマートフォントUI" panose="02000600000000000000" pitchFamily="50" charset="-128"/>
-              <a:ea typeface="03スマートフォントUI" panose="02000600000000000000" pitchFamily="50" charset="-128"/>
-            </a:endParaRPr>
-          </a:p>
-        </p:txBody>
-      </p:sp>
-      <p:sp>
-        <p:nvSpPr>
-          <p:cNvPr id="4" name="テキスト ボックス 3"/>
-          <p:cNvSpPr txBox="1"/>
-          <p:nvPr/>
-        </p:nvSpPr>
-        <p:spPr>
-          <a:xfrm>
-            <a:off x="135550" y="2751108"/>
-            <a:ext cx="5829300" cy="1846659"/>
-          </a:xfrm>
-          <a:prstGeom prst="rect">
-            <a:avLst/>
-          </a:prstGeom>
-          <a:noFill/>
-        </p:spPr>
-        <p:txBody>
-          <a:bodyPr wrap="square" rtlCol="0">
-            <a:spAutoFit/>
-          </a:bodyPr>
-          <a:lstStyle/>
-          <a:p>
-            <a:r>
-              <a:rPr lang="ja-JP" altLang="en-US" sz="4400" b="1" dirty="0" smtClean="0">
+              <a:rPr lang="ja-JP" altLang="en-US" sz="3600" b="1" dirty="0" smtClean="0">
                 <a:solidFill>
                   <a:srgbClr val="FF00FF"/>
                 </a:solidFill>
@@ -3440,35 +3567,41 @@
               <a:t>ピンクの風船</a:t>
             </a:r>
             <a:r>
-              <a:rPr lang="ja-JP" altLang="en-US" sz="4400" dirty="0" smtClean="0">
+              <a:rPr lang="ja-JP" altLang="en-US" sz="3600" dirty="0" smtClean="0">
                 <a:latin typeface="03スマートフォントUI" panose="02000600000000000000" pitchFamily="50" charset="-128"/>
                 <a:ea typeface="03スマートフォントUI" panose="02000600000000000000" pitchFamily="50" charset="-128"/>
               </a:rPr>
               <a:t>は</a:t>
             </a:r>
             <a:r>
-              <a:rPr lang="en-US" altLang="ja-JP" sz="4800" b="1" dirty="0" smtClean="0">
+              <a:rPr lang="en-US" altLang="ja-JP" sz="4000" b="1" dirty="0" smtClean="0">
                 <a:latin typeface="03スマートフォントUI" panose="02000600000000000000" pitchFamily="50" charset="-128"/>
                 <a:ea typeface="03スマートフォントUI" panose="02000600000000000000" pitchFamily="50" charset="-128"/>
               </a:rPr>
               <a:t>1</a:t>
             </a:r>
             <a:r>
-              <a:rPr lang="ja-JP" altLang="en-US" sz="4800" b="1" dirty="0" smtClean="0">
+              <a:rPr lang="ja-JP" altLang="en-US" sz="4000" b="1" dirty="0" smtClean="0">
                 <a:latin typeface="03スマートフォントUI" panose="02000600000000000000" pitchFamily="50" charset="-128"/>
                 <a:ea typeface="03スマートフォントUI" panose="02000600000000000000" pitchFamily="50" charset="-128"/>
               </a:rPr>
               <a:t>点</a:t>
             </a:r>
             <a:r>
-              <a:rPr lang="ja-JP" altLang="en-US" sz="4400" dirty="0" smtClean="0">
+              <a:rPr lang="ja-JP" altLang="en-US" sz="3600" dirty="0" smtClean="0">
                 <a:latin typeface="03スマートフォントUI" panose="02000600000000000000" pitchFamily="50" charset="-128"/>
                 <a:ea typeface="03スマートフォントUI" panose="02000600000000000000" pitchFamily="50" charset="-128"/>
               </a:rPr>
               <a:t>、</a:t>
             </a:r>
-            <a:r>
-              <a:rPr lang="ja-JP" altLang="en-US" sz="4400" b="1" dirty="0" smtClean="0">
+            <a:endParaRPr lang="en-US" altLang="ja-JP" sz="3600" dirty="0" smtClean="0">
+              <a:latin typeface="03スマートフォントUI" panose="02000600000000000000" pitchFamily="50" charset="-128"/>
+              <a:ea typeface="03スマートフォントUI" panose="02000600000000000000" pitchFamily="50" charset="-128"/>
+            </a:endParaRPr>
+          </a:p>
+          <a:p>
+            <a:r>
+              <a:rPr lang="ja-JP" altLang="en-US" sz="3600" b="1" dirty="0" smtClean="0">
                 <a:ln w="3175">
                   <a:noFill/>
                 </a:ln>
@@ -3501,28 +3634,28 @@
               <a:t>金色の風船</a:t>
             </a:r>
             <a:r>
-              <a:rPr lang="ja-JP" altLang="en-US" sz="4400" dirty="0" smtClean="0">
+              <a:rPr lang="ja-JP" altLang="en-US" sz="3600" dirty="0" smtClean="0">
                 <a:latin typeface="03スマートフォントUI" panose="02000600000000000000" pitchFamily="50" charset="-128"/>
                 <a:ea typeface="03スマートフォントUI" panose="02000600000000000000" pitchFamily="50" charset="-128"/>
               </a:rPr>
               <a:t>は</a:t>
             </a:r>
             <a:r>
-              <a:rPr lang="en-US" altLang="ja-JP" sz="4800" b="1" dirty="0" smtClean="0">
+              <a:rPr lang="en-US" altLang="ja-JP" sz="4000" b="1" dirty="0" smtClean="0">
                 <a:latin typeface="03スマートフォントUI" panose="02000600000000000000" pitchFamily="50" charset="-128"/>
                 <a:ea typeface="03スマートフォントUI" panose="02000600000000000000" pitchFamily="50" charset="-128"/>
               </a:rPr>
               <a:t>3</a:t>
             </a:r>
             <a:r>
-              <a:rPr lang="ja-JP" altLang="en-US" sz="4800" b="1" dirty="0" smtClean="0">
+              <a:rPr lang="ja-JP" altLang="en-US" sz="4000" b="1" dirty="0" smtClean="0">
                 <a:latin typeface="03スマートフォントUI" panose="02000600000000000000" pitchFamily="50" charset="-128"/>
                 <a:ea typeface="03スマートフォントUI" panose="02000600000000000000" pitchFamily="50" charset="-128"/>
               </a:rPr>
               <a:t>点</a:t>
             </a:r>
             <a:r>
-              <a:rPr lang="ja-JP" altLang="en-US" sz="4400" dirty="0" smtClean="0">
+              <a:rPr lang="ja-JP" altLang="en-US" sz="3600" dirty="0" smtClean="0">
                 <a:latin typeface="03スマートフォントUI" panose="02000600000000000000" pitchFamily="50" charset="-128"/>
                 <a:ea typeface="03スマートフォントUI" panose="02000600000000000000" pitchFamily="50" charset="-128"/>
               </a:rPr>
@@ -3571,8 +3704,8 @@
         </p:nvSpPr>
         <p:spPr>
           <a:xfrm>
-            <a:off x="7305676" y="5864776"/>
-            <a:ext cx="2362200" cy="707886"/>
+            <a:off x="8196215" y="3229845"/>
+            <a:ext cx="1648167" cy="523220"/>
           </a:xfrm>
           <a:prstGeom prst="rect">
             <a:avLst/>
@@ -3586,13 +3719,13 @@
           <a:lstStyle/>
           <a:p>
             <a:r>
-              <a:rPr kumimoji="1" lang="ja-JP" altLang="en-US" sz="4000" dirty="0" smtClean="0">
+              <a:rPr kumimoji="1" lang="ja-JP" altLang="en-US" sz="2800" dirty="0" smtClean="0">
                 <a:latin typeface="03スマートフォントUI" panose="02000600000000000000" pitchFamily="50" charset="-128"/>
                 <a:ea typeface="03スマートフォントUI" panose="02000600000000000000" pitchFamily="50" charset="-128"/>
               </a:rPr>
               <a:t>アクセル</a:t>
             </a:r>
-            <a:endParaRPr kumimoji="1" lang="ja-JP" altLang="en-US" dirty="0">
+            <a:endParaRPr kumimoji="1" lang="ja-JP" altLang="en-US" sz="1200" dirty="0">
               <a:latin typeface="03スマートフォントUI" panose="02000600000000000000" pitchFamily="50" charset="-128"/>
               <a:ea typeface="03スマートフォントUI" panose="02000600000000000000" pitchFamily="50" charset="-128"/>
             </a:endParaRPr>
@@ -3607,8 +3740,8 @@
         </p:nvSpPr>
         <p:spPr>
           <a:xfrm>
-            <a:off x="10313611" y="3294132"/>
-            <a:ext cx="1862504" cy="707886"/>
+            <a:off x="10496489" y="1204346"/>
+            <a:ext cx="1284367" cy="523220"/>
           </a:xfrm>
           <a:prstGeom prst="rect">
             <a:avLst/>
@@ -3622,13 +3755,13 @@
           <a:lstStyle/>
           <a:p>
             <a:r>
-              <a:rPr kumimoji="1" lang="ja-JP" altLang="en-US" sz="4000" dirty="0" smtClean="0">
+              <a:rPr kumimoji="1" lang="ja-JP" altLang="en-US" sz="2800" dirty="0" smtClean="0">
                 <a:latin typeface="03スマートフォントUI" panose="02000600000000000000" pitchFamily="50" charset="-128"/>
                 <a:ea typeface="03スマートフォントUI" panose="02000600000000000000" pitchFamily="50" charset="-128"/>
               </a:rPr>
               <a:t>バック</a:t>
             </a:r>
-            <a:endParaRPr kumimoji="1" lang="ja-JP" altLang="en-US" dirty="0">
+            <a:endParaRPr kumimoji="1" lang="ja-JP" altLang="en-US" sz="1200" dirty="0">
               <a:latin typeface="03スマートフォントUI" panose="02000600000000000000" pitchFamily="50" charset="-128"/>
               <a:ea typeface="03スマートフォントUI" panose="02000600000000000000" pitchFamily="50" charset="-128"/>
             </a:endParaRPr>
@@ -3643,8 +3776,8 @@
         </p:nvSpPr>
         <p:spPr>
           <a:xfrm>
-            <a:off x="7592639" y="2097128"/>
-            <a:ext cx="1000125" cy="600075"/>
+            <a:off x="8132039" y="576658"/>
+            <a:ext cx="909861" cy="469314"/>
           </a:xfrm>
           <a:prstGeom prst="flowChartManualInput">
             <a:avLst/>
@@ -3678,10 +3811,10 @@
           <a:p>
             <a:pPr algn="ctr"/>
             <a:r>
-              <a:rPr kumimoji="1" lang="en-US" altLang="ja-JP" sz="3200" b="1" dirty="0" smtClean="0"/>
+              <a:rPr kumimoji="1" lang="en-US" altLang="ja-JP" sz="2400" b="1" dirty="0" smtClean="0"/>
               <a:t>LB</a:t>
             </a:r>
-            <a:endParaRPr kumimoji="1" lang="ja-JP" altLang="en-US" b="1" dirty="0"/>
+            <a:endParaRPr kumimoji="1" lang="ja-JP" altLang="en-US" sz="1400" b="1" dirty="0"/>
           </a:p>
         </p:txBody>
       </p:sp>
@@ -3693,8 +3826,8 @@
         </p:nvSpPr>
         <p:spPr>
           <a:xfrm>
-            <a:off x="8613398" y="2043222"/>
-            <a:ext cx="3400425" cy="707886"/>
+            <a:off x="9052215" y="539702"/>
+            <a:ext cx="3400425" cy="523220"/>
           </a:xfrm>
           <a:prstGeom prst="rect">
             <a:avLst/>
@@ -3708,13 +3841,13 @@
           <a:lstStyle/>
           <a:p>
             <a:r>
-              <a:rPr lang="ja-JP" altLang="en-US" sz="4000" dirty="0">
+              <a:rPr lang="ja-JP" altLang="en-US" sz="2800" dirty="0">
                 <a:latin typeface="03スマートフォントUI" panose="02000600000000000000" pitchFamily="50" charset="-128"/>
                 <a:ea typeface="03スマートフォントUI" panose="02000600000000000000" pitchFamily="50" charset="-128"/>
               </a:rPr>
               <a:t>アイテム使用</a:t>
             </a:r>
-            <a:endParaRPr kumimoji="1" lang="ja-JP" altLang="en-US" dirty="0">
+            <a:endParaRPr kumimoji="1" lang="ja-JP" altLang="en-US" sz="1200" dirty="0">
               <a:latin typeface="03スマートフォントUI" panose="02000600000000000000" pitchFamily="50" charset="-128"/>
               <a:ea typeface="03スマートフォントUI" panose="02000600000000000000" pitchFamily="50" charset="-128"/>
             </a:endParaRPr>
@@ -3729,8 +3862,8 @@
         </p:nvSpPr>
         <p:spPr>
           <a:xfrm>
-            <a:off x="6340531" y="4001344"/>
-            <a:ext cx="1296984" cy="707886"/>
+            <a:off x="6765222" y="1876060"/>
+            <a:ext cx="975761" cy="523220"/>
           </a:xfrm>
           <a:prstGeom prst="rect">
             <a:avLst/>
@@ -3744,15 +3877,113 @@
           <a:lstStyle/>
           <a:p>
             <a:r>
-              <a:rPr lang="ja-JP" altLang="en-US" sz="4000" dirty="0">
+              <a:rPr lang="ja-JP" altLang="en-US" sz="2800" dirty="0">
                 <a:latin typeface="03スマートフォントUI" panose="02000600000000000000" pitchFamily="50" charset="-128"/>
                 <a:ea typeface="03スマートフォントUI" panose="02000600000000000000" pitchFamily="50" charset="-128"/>
               </a:rPr>
               <a:t>移動</a:t>
             </a:r>
-            <a:endParaRPr kumimoji="1" lang="ja-JP" altLang="en-US" dirty="0">
+            <a:endParaRPr kumimoji="1" lang="ja-JP" altLang="en-US" sz="1200" dirty="0">
               <a:latin typeface="03スマートフォントUI" panose="02000600000000000000" pitchFamily="50" charset="-128"/>
               <a:ea typeface="03スマートフォントUI" panose="02000600000000000000" pitchFamily="50" charset="-128"/>
+            </a:endParaRPr>
+          </a:p>
+        </p:txBody>
+      </p:sp>
+      <p:sp>
+        <p:nvSpPr>
+          <p:cNvPr id="9" name="角丸四角形 8"/>
+          <p:cNvSpPr/>
+          <p:nvPr/>
+        </p:nvSpPr>
+        <p:spPr>
+          <a:xfrm>
+            <a:off x="127267" y="4849445"/>
+            <a:ext cx="11271886" cy="1603341"/>
+          </a:xfrm>
+          <a:prstGeom prst="roundRect">
+            <a:avLst/>
+          </a:prstGeom>
+          <a:gradFill flip="none" rotWithShape="1">
+            <a:gsLst>
+              <a:gs pos="0">
+                <a:srgbClr val="FF0000">
+                  <a:tint val="66000"/>
+                  <a:satMod val="160000"/>
+                </a:srgbClr>
+              </a:gs>
+              <a:gs pos="50000">
+                <a:srgbClr val="FF0000">
+                  <a:tint val="44500"/>
+                  <a:satMod val="160000"/>
+                </a:srgbClr>
+              </a:gs>
+              <a:gs pos="100000">
+                <a:srgbClr val="FF0000">
+                  <a:tint val="23500"/>
+                  <a:satMod val="160000"/>
+                </a:srgbClr>
+              </a:gs>
+            </a:gsLst>
+            <a:path path="circle">
+              <a:fillToRect l="50000" t="50000" r="50000" b="50000"/>
+            </a:path>
+            <a:tileRect/>
+          </a:gradFill>
+          <a:ln>
+            <a:solidFill>
+              <a:schemeClr val="tx1">
+                <a:alpha val="95000"/>
+              </a:schemeClr>
+            </a:solidFill>
+          </a:ln>
+          <a:scene3d>
+            <a:camera prst="orthographicFront"/>
+            <a:lightRig rig="threePt" dir="t"/>
+          </a:scene3d>
+          <a:sp3d>
+            <a:bevelT w="139700" prst="cross"/>
+          </a:sp3d>
+        </p:spPr>
+        <p:style>
+          <a:lnRef idx="2">
+            <a:schemeClr val="accent1">
+              <a:shade val="50000"/>
+            </a:schemeClr>
+          </a:lnRef>
+          <a:fillRef idx="1">
+            <a:schemeClr val="accent1"/>
+          </a:fillRef>
+          <a:effectRef idx="0">
+            <a:schemeClr val="accent1"/>
+          </a:effectRef>
+          <a:fontRef idx="minor">
+            <a:schemeClr val="lt1"/>
+          </a:fontRef>
+        </p:style>
+        <p:txBody>
+          <a:bodyPr rtlCol="0" anchor="ctr"/>
+          <a:lstStyle/>
+          <a:p>
+            <a:pPr algn="ctr"/>
+            <a:endParaRPr kumimoji="1" lang="ja-JP" altLang="en-US">
+              <a:gradFill>
+                <a:gsLst>
+                  <a:gs pos="0">
+                    <a:srgbClr val="FFD1FF"/>
+                  </a:gs>
+                  <a:gs pos="74000">
+                    <a:srgbClr val="FFA3FF"/>
+                  </a:gs>
+                  <a:gs pos="83000">
+                    <a:srgbClr val="FF93FF"/>
+                  </a:gs>
+                  <a:gs pos="100000">
+                    <a:srgbClr val="FF93FF"/>
+                  </a:gs>
+                </a:gsLst>
+                <a:lin ang="5400000" scaled="1"/>
+              </a:gradFill>
             </a:endParaRPr>
           </a:p>
         </p:txBody>
@@ -3766,7 +3997,7 @@
           <p:nvPr/>
         </p:nvPicPr>
         <p:blipFill>
-          <a:blip r:embed="rId3" cstate="print">
+          <a:blip r:embed="rId5" cstate="print">
             <a:extLst>
               <a:ext uri="{28A0092B-C50C-407E-A947-70E740481C1C}">
                 <a14:useLocalDpi xmlns:a14="http://schemas.microsoft.com/office/drawing/2010/main" val="0"/>
@@ -3779,8 +4010,8 @@
         </p:blipFill>
         <p:spPr>
           <a:xfrm>
-            <a:off x="123175" y="4552950"/>
-            <a:ext cx="1514475" cy="1374386"/>
+            <a:off x="165945" y="4864680"/>
+            <a:ext cx="1464079" cy="1424181"/>
           </a:xfrm>
           <a:prstGeom prst="rect">
             <a:avLst/>
@@ -3795,8 +4026,8 @@
         </p:nvSpPr>
         <p:spPr>
           <a:xfrm>
-            <a:off x="1798346" y="4552950"/>
-            <a:ext cx="2457450" cy="707886"/>
+            <a:off x="1619180" y="4820904"/>
+            <a:ext cx="2375675" cy="707368"/>
           </a:xfrm>
           <a:prstGeom prst="rect">
             <a:avLst/>
@@ -3810,18 +4041,28 @@
           <a:lstStyle/>
           <a:p>
             <a:r>
-              <a:rPr kumimoji="1" lang="ja-JP" altLang="en-US" sz="4000" dirty="0" smtClean="0">
+              <a:rPr kumimoji="1" lang="ja-JP" altLang="en-US" sz="4000" b="1" dirty="0" smtClean="0">
+                <a:ln>
+                  <a:solidFill>
+                    <a:schemeClr val="tx1"/>
+                  </a:solidFill>
+                </a:ln>
                 <a:solidFill>
-                  <a:srgbClr val="FF0000"/>
+                  <a:srgbClr val="FFFF00"/>
                 </a:solidFill>
                 <a:latin typeface="03スマートフォントUI" panose="02000600000000000000" pitchFamily="50" charset="-128"/>
                 <a:ea typeface="03スマートフォントUI" panose="02000600000000000000" pitchFamily="50" charset="-128"/>
               </a:rPr>
               <a:t>バナナ</a:t>
             </a:r>
-            <a:endParaRPr kumimoji="1" lang="ja-JP" altLang="en-US" dirty="0">
+            <a:endParaRPr kumimoji="1" lang="ja-JP" altLang="en-US" b="1" dirty="0">
+              <a:ln>
+                <a:solidFill>
+                  <a:schemeClr val="tx1"/>
+                </a:solidFill>
+              </a:ln>
               <a:solidFill>
-                <a:srgbClr val="FF0000"/>
+                <a:srgbClr val="FFFF00"/>
               </a:solidFill>
               <a:latin typeface="03スマートフォントUI" panose="02000600000000000000" pitchFamily="50" charset="-128"/>
               <a:ea typeface="03スマートフォントUI" panose="02000600000000000000" pitchFamily="50" charset="-128"/>
@@ -3837,8 +4078,8 @@
         </p:nvSpPr>
         <p:spPr>
           <a:xfrm>
-            <a:off x="1764034" y="5140185"/>
-            <a:ext cx="5361844" cy="954107"/>
+            <a:off x="1479639" y="5408319"/>
+            <a:ext cx="4149213" cy="954107"/>
           </a:xfrm>
           <a:prstGeom prst="rect">
             <a:avLst/>
@@ -3856,27 +4097,7 @@
                 <a:latin typeface="03スマートフォントUI" panose="02000600000000000000" pitchFamily="50" charset="-128"/>
                 <a:ea typeface="03スマートフォントUI" panose="02000600000000000000" pitchFamily="50" charset="-128"/>
               </a:rPr>
-              <a:t>アイテムボックスから取得でき、</a:t>
-            </a:r>
-            <a:endParaRPr kumimoji="1" lang="en-US" altLang="ja-JP" sz="2800" dirty="0" smtClean="0">
-              <a:latin typeface="03スマートフォントUI" panose="02000600000000000000" pitchFamily="50" charset="-128"/>
-              <a:ea typeface="03スマートフォントUI" panose="02000600000000000000" pitchFamily="50" charset="-128"/>
-            </a:endParaRPr>
-          </a:p>
-          <a:p>
-            <a:r>
-              <a:rPr kumimoji="1" lang="ja-JP" altLang="en-US" sz="2800" dirty="0" smtClean="0">
-                <a:latin typeface="03スマートフォントUI" panose="02000600000000000000" pitchFamily="50" charset="-128"/>
-                <a:ea typeface="03スマートフォントUI" panose="02000600000000000000" pitchFamily="50" charset="-128"/>
-              </a:rPr>
-              <a:t>ぶつける</a:t>
-            </a:r>
-            <a:r>
-              <a:rPr kumimoji="1" lang="ja-JP" altLang="en-US" sz="2800" dirty="0" smtClean="0">
-                <a:latin typeface="03スマートフォントUI" panose="02000600000000000000" pitchFamily="50" charset="-128"/>
-                <a:ea typeface="03スマートフォントUI" panose="02000600000000000000" pitchFamily="50" charset="-128"/>
-              </a:rPr>
-              <a:t>と相手がスピンします。</a:t>
+              <a:t>ぶつけると相手がスピンします。</a:t>
             </a:r>
             <a:endParaRPr kumimoji="1" lang="ja-JP" altLang="en-US" sz="1400" dirty="0">
               <a:latin typeface="03スマートフォントUI" panose="02000600000000000000" pitchFamily="50" charset="-128"/>
@@ -3885,56 +4106,6 @@
           </a:p>
         </p:txBody>
       </p:sp>
-      <p:pic>
-        <p:nvPicPr>
-          <p:cNvPr id="20" name="Picture 2" descr="Xinput対応ゲームパッド - JC-U3613MBK"/>
-          <p:cNvPicPr>
-            <a:picLocks noChangeAspect="1" noChangeArrowheads="1"/>
-          </p:cNvPicPr>
-          <p:nvPr/>
-        </p:nvPicPr>
-        <p:blipFill rotWithShape="1">
-          <a:blip r:embed="rId4" cstate="print">
-            <a:extLst>
-              <a:ext uri="{BEBA8EAE-BF5A-486C-A8C5-ECC9F3942E4B}">
-                <a14:imgProps xmlns:a14="http://schemas.microsoft.com/office/drawing/2010/main">
-                  <a14:imgLayer r:embed="rId5">
-                    <a14:imgEffect>
-                      <a14:backgroundRemoval t="0" b="100000" l="500" r="100000">
-                        <a14:backgroundMark x1="46667" y1="63667" x2="66833" y2="71500"/>
-                      </a14:backgroundRemoval>
-                    </a14:imgEffect>
-                  </a14:imgLayer>
-                </a14:imgProps>
-              </a:ext>
-              <a:ext uri="{28A0092B-C50C-407E-A947-70E740481C1C}">
-                <a14:useLocalDpi xmlns:a14="http://schemas.microsoft.com/office/drawing/2010/main" val="0"/>
-              </a:ext>
-            </a:extLst>
-          </a:blip>
-          <a:srcRect t="12003"/>
-          <a:stretch/>
-        </p:blipFill>
-        <p:spPr bwMode="auto">
-          <a:xfrm>
-            <a:off x="7148448" y="3294132"/>
-            <a:ext cx="3936990" cy="3464448"/>
-          </a:xfrm>
-          <a:prstGeom prst="rect">
-            <a:avLst/>
-          </a:prstGeom>
-          <a:noFill/>
-          <a:extLst>
-            <a:ext uri="{909E8E84-426E-40DD-AFC4-6F175D3DCCD1}">
-              <a14:hiddenFill xmlns:a14="http://schemas.microsoft.com/office/drawing/2010/main">
-                <a:solidFill>
-                  <a:srgbClr val="FFFFFF"/>
-                </a:solidFill>
-              </a14:hiddenFill>
-            </a:ext>
-          </a:extLst>
-        </p:spPr>
-      </p:pic>
       <p:cxnSp>
         <p:nvCxnSpPr>
           <p:cNvPr id="22" name="直線矢印コネクタ 21"/>
@@ -3943,8 +4114,8 @@
         </p:nvCxnSpPr>
         <p:spPr>
           <a:xfrm flipV="1">
-            <a:off x="9334500" y="4752975"/>
-            <a:ext cx="838200" cy="1322464"/>
+            <a:off x="9194180" y="2608251"/>
+            <a:ext cx="854306" cy="541868"/>
           </a:xfrm>
           <a:prstGeom prst="straightConnector1">
             <a:avLst/>
@@ -3971,15 +4142,13 @@
       <p:cxnSp>
         <p:nvCxnSpPr>
           <p:cNvPr id="25" name="直線矢印コネクタ 24"/>
-          <p:cNvCxnSpPr>
-            <a:stCxn id="10" idx="2"/>
-          </p:cNvCxnSpPr>
+          <p:cNvCxnSpPr/>
           <p:nvPr/>
         </p:nvCxnSpPr>
         <p:spPr>
           <a:xfrm flipH="1">
-            <a:off x="10601325" y="4002018"/>
-            <a:ext cx="643538" cy="550932"/>
+            <a:off x="10356664" y="1716780"/>
+            <a:ext cx="354470" cy="735598"/>
           </a:xfrm>
           <a:prstGeom prst="straightConnector1">
             <a:avLst/>
@@ -4011,7 +4180,7 @@
         </p:nvCxnSpPr>
         <p:spPr>
           <a:xfrm flipV="1">
-            <a:off x="7475717" y="3912954"/>
+            <a:off x="7659625" y="1820908"/>
             <a:ext cx="925333" cy="312557"/>
           </a:xfrm>
           <a:prstGeom prst="straightConnector1">
@@ -4047,8 +4216,8 @@
         </p:nvCxnSpPr>
         <p:spPr>
           <a:xfrm flipH="1">
-            <a:off x="8772525" y="2751108"/>
-            <a:ext cx="791391" cy="763708"/>
+            <a:off x="8956490" y="1052897"/>
+            <a:ext cx="635153" cy="520627"/>
           </a:xfrm>
           <a:prstGeom prst="straightConnector1">
             <a:avLst/>
@@ -4075,6 +4244,233 @@
           </a:fontRef>
         </p:style>
       </p:cxnSp>
+      <p:sp>
+        <p:nvSpPr>
+          <p:cNvPr id="21" name="テキスト ボックス 20"/>
+          <p:cNvSpPr txBox="1"/>
+          <p:nvPr/>
+        </p:nvSpPr>
+        <p:spPr>
+          <a:xfrm>
+            <a:off x="7045337" y="4849445"/>
+            <a:ext cx="2375675" cy="707368"/>
+          </a:xfrm>
+          <a:prstGeom prst="rect">
+            <a:avLst/>
+          </a:prstGeom>
+          <a:noFill/>
+        </p:spPr>
+        <p:txBody>
+          <a:bodyPr wrap="square" rtlCol="0">
+            <a:spAutoFit/>
+          </a:bodyPr>
+          <a:lstStyle/>
+          <a:p>
+            <a:r>
+              <a:rPr kumimoji="1" lang="ja-JP" altLang="en-US" sz="4000" b="1" dirty="0" smtClean="0">
+                <a:ln>
+                  <a:solidFill>
+                    <a:schemeClr val="tx1"/>
+                  </a:solidFill>
+                </a:ln>
+                <a:solidFill>
+                  <a:srgbClr val="FFFF00"/>
+                </a:solidFill>
+                <a:latin typeface="03スマートフォントUI" panose="02000600000000000000" pitchFamily="50" charset="-128"/>
+                <a:ea typeface="03スマートフォントUI" panose="02000600000000000000" pitchFamily="50" charset="-128"/>
+              </a:rPr>
+              <a:t>ガソリン</a:t>
+            </a:r>
+            <a:endParaRPr kumimoji="1" lang="ja-JP" altLang="en-US" b="1" dirty="0">
+              <a:ln>
+                <a:solidFill>
+                  <a:schemeClr val="tx1"/>
+                </a:solidFill>
+              </a:ln>
+              <a:solidFill>
+                <a:srgbClr val="FFFF00"/>
+              </a:solidFill>
+              <a:latin typeface="03スマートフォントUI" panose="02000600000000000000" pitchFamily="50" charset="-128"/>
+              <a:ea typeface="03スマートフォントUI" panose="02000600000000000000" pitchFamily="50" charset="-128"/>
+            </a:endParaRPr>
+          </a:p>
+        </p:txBody>
+      </p:sp>
+      <p:sp>
+        <p:nvSpPr>
+          <p:cNvPr id="26" name="テキスト ボックス 25"/>
+          <p:cNvSpPr txBox="1"/>
+          <p:nvPr/>
+        </p:nvSpPr>
+        <p:spPr>
+          <a:xfrm>
+            <a:off x="6995298" y="5408318"/>
+            <a:ext cx="4527298" cy="954107"/>
+          </a:xfrm>
+          <a:prstGeom prst="rect">
+            <a:avLst/>
+          </a:prstGeom>
+          <a:noFill/>
+        </p:spPr>
+        <p:txBody>
+          <a:bodyPr wrap="square" rtlCol="0">
+            <a:spAutoFit/>
+          </a:bodyPr>
+          <a:lstStyle/>
+          <a:p>
+            <a:r>
+              <a:rPr lang="ja-JP" altLang="en-US" sz="2800" dirty="0">
+                <a:latin typeface="03スマートフォントUI" panose="02000600000000000000" pitchFamily="50" charset="-128"/>
+                <a:ea typeface="03スマートフォントUI" panose="02000600000000000000" pitchFamily="50" charset="-128"/>
+              </a:rPr>
+              <a:t>加速し</a:t>
+            </a:r>
+            <a:r>
+              <a:rPr lang="ja-JP" altLang="en-US" sz="2800" dirty="0" smtClean="0">
+                <a:latin typeface="03スマートフォントUI" panose="02000600000000000000" pitchFamily="50" charset="-128"/>
+                <a:ea typeface="03スマートフォントUI" panose="02000600000000000000" pitchFamily="50" charset="-128"/>
+              </a:rPr>
+              <a:t>、相手にぶつかると</a:t>
+            </a:r>
+            <a:endParaRPr lang="en-US" altLang="ja-JP" sz="2800" dirty="0" smtClean="0">
+              <a:latin typeface="03スマートフォントUI" panose="02000600000000000000" pitchFamily="50" charset="-128"/>
+              <a:ea typeface="03スマートフォントUI" panose="02000600000000000000" pitchFamily="50" charset="-128"/>
+            </a:endParaRPr>
+          </a:p>
+          <a:p>
+            <a:r>
+              <a:rPr lang="ja-JP" altLang="en-US" sz="2800" dirty="0" smtClean="0">
+                <a:latin typeface="03スマートフォントUI" panose="02000600000000000000" pitchFamily="50" charset="-128"/>
+                <a:ea typeface="03スマートフォントUI" panose="02000600000000000000" pitchFamily="50" charset="-128"/>
+              </a:rPr>
+              <a:t>ポイントを奪えます。</a:t>
+            </a:r>
+            <a:endParaRPr kumimoji="1" lang="ja-JP" altLang="en-US" sz="1400" dirty="0">
+              <a:latin typeface="03スマートフォントUI" panose="02000600000000000000" pitchFamily="50" charset="-128"/>
+              <a:ea typeface="03スマートフォントUI" panose="02000600000000000000" pitchFamily="50" charset="-128"/>
+            </a:endParaRPr>
+          </a:p>
+        </p:txBody>
+      </p:sp>
+      <p:pic>
+        <p:nvPicPr>
+          <p:cNvPr id="13" name="図 12"/>
+          <p:cNvPicPr>
+            <a:picLocks noChangeAspect="1"/>
+          </p:cNvPicPr>
+          <p:nvPr/>
+        </p:nvPicPr>
+        <p:blipFill>
+          <a:blip r:embed="rId6" cstate="print">
+            <a:extLst>
+              <a:ext uri="{28A0092B-C50C-407E-A947-70E740481C1C}">
+                <a14:useLocalDpi xmlns:a14="http://schemas.microsoft.com/office/drawing/2010/main" val="0"/>
+              </a:ext>
+            </a:extLst>
+          </a:blip>
+          <a:stretch>
+            <a:fillRect/>
+          </a:stretch>
+        </p:blipFill>
+        <p:spPr>
+          <a:xfrm>
+            <a:off x="5708241" y="4929934"/>
+            <a:ext cx="1285701" cy="1285701"/>
+          </a:xfrm>
+          <a:prstGeom prst="rect">
+            <a:avLst/>
+          </a:prstGeom>
+        </p:spPr>
+      </p:pic>
+      <p:sp>
+        <p:nvSpPr>
+          <p:cNvPr id="23" name="テキスト ボックス 22"/>
+          <p:cNvSpPr txBox="1"/>
+          <p:nvPr/>
+        </p:nvSpPr>
+        <p:spPr>
+          <a:xfrm>
+            <a:off x="428805" y="-38617"/>
+            <a:ext cx="2402437" cy="769441"/>
+          </a:xfrm>
+          <a:prstGeom prst="rect">
+            <a:avLst/>
+          </a:prstGeom>
+          <a:noFill/>
+        </p:spPr>
+        <p:txBody>
+          <a:bodyPr wrap="square" rtlCol="0">
+            <a:spAutoFit/>
+            <a:scene3d>
+              <a:camera prst="orthographicFront"/>
+              <a:lightRig rig="soft" dir="t">
+                <a:rot lat="0" lon="0" rev="15600000"/>
+              </a:lightRig>
+            </a:scene3d>
+            <a:sp3d extrusionH="57150" prstMaterial="softEdge">
+              <a:bevelT w="25400" h="38100"/>
+            </a:sp3d>
+          </a:bodyPr>
+          <a:lstStyle/>
+          <a:p>
+            <a:r>
+              <a:rPr kumimoji="1" lang="ja-JP" altLang="en-US" sz="4400" b="1" dirty="0" smtClean="0">
+                <a:ln w="28575">
+                  <a:solidFill>
+                    <a:schemeClr val="tx1"/>
+                  </a:solidFill>
+                  <a:prstDash val="solid"/>
+                </a:ln>
+                <a:solidFill>
+                  <a:srgbClr val="FFFFFF"/>
+                </a:solidFill>
+                <a:effectLst>
+                  <a:glow rad="228600">
+                    <a:schemeClr val="accent4">
+                      <a:satMod val="175000"/>
+                      <a:alpha val="40000"/>
+                    </a:schemeClr>
+                  </a:glow>
+                  <a:outerShdw blurRad="38100" dist="22860" dir="5400000" algn="tl" rotWithShape="0">
+                    <a:srgbClr val="000000">
+                      <a:alpha val="30000"/>
+                    </a:srgbClr>
+                  </a:outerShdw>
+                </a:effectLst>
+                <a:latin typeface="源暎Nuゴシック EB" panose="02000903000000000000" pitchFamily="2" charset="-128"/>
+                <a:ea typeface="源暎Nuゴシック EB" panose="02000903000000000000" pitchFamily="2" charset="-128"/>
+              </a:rPr>
+              <a:t>ルール</a:t>
+            </a:r>
+            <a:endParaRPr kumimoji="1" lang="ja-JP" altLang="en-US" sz="4400" b="1" dirty="0">
+              <a:ln w="28575">
+                <a:solidFill>
+                  <a:schemeClr val="tx1"/>
+                </a:solidFill>
+                <a:prstDash val="solid"/>
+              </a:ln>
+              <a:solidFill>
+                <a:schemeClr val="accent4"/>
+              </a:solidFill>
+              <a:effectLst>
+                <a:glow rad="228600">
+                  <a:schemeClr val="accent4">
+                    <a:satMod val="175000"/>
+                    <a:alpha val="40000"/>
+                  </a:schemeClr>
+                </a:glow>
+                <a:outerShdw blurRad="38100" dist="22860" dir="5400000" algn="tl" rotWithShape="0">
+                  <a:srgbClr val="000000">
+                    <a:alpha val="30000"/>
+                  </a:srgbClr>
+                </a:outerShdw>
+              </a:effectLst>
+              <a:latin typeface="源暎Nuゴシック EB" panose="02000903000000000000" pitchFamily="2" charset="-128"/>
+              <a:ea typeface="源暎Nuゴシック EB" panose="02000903000000000000" pitchFamily="2" charset="-128"/>
+            </a:endParaRPr>
+          </a:p>
+        </p:txBody>
+      </p:sp>
     </p:spTree>
     <p:extLst>
       <p:ext uri="{BB962C8B-B14F-4D97-AF65-F5344CB8AC3E}">

--- a/PSD/操作説明(コントローラー入り).pptx
+++ b/PSD/操作説明(コントローラー入り).pptx
@@ -3245,14 +3245,11 @@
   <p:cSld>
     <p:bg>
       <p:bgPr>
-        <a:blipFill dpi="0" rotWithShape="1">
-          <a:blip r:embed="rId2">
-            <a:alphaModFix amt="14000"/>
-            <a:lum/>
-          </a:blip>
-          <a:srcRect/>
-          <a:tile tx="0" ty="0" sx="20000" sy="20000" flip="none" algn="ctr"/>
-        </a:blipFill>
+        <a:solidFill>
+          <a:schemeClr val="tx1">
+            <a:alpha val="0"/>
+          </a:schemeClr>
+        </a:solidFill>
         <a:effectLst/>
       </p:bgPr>
     </p:bg>
@@ -3270,6 +3267,54 @@
           <a:chExt cx="0" cy="0"/>
         </a:xfrm>
       </p:grpSpPr>
+      <p:sp>
+        <p:nvSpPr>
+          <p:cNvPr id="2" name="正方形/長方形 1"/>
+          <p:cNvSpPr/>
+          <p:nvPr/>
+        </p:nvSpPr>
+        <p:spPr>
+          <a:xfrm>
+            <a:off x="-4502" y="1"/>
+            <a:ext cx="12192000" cy="6858000"/>
+          </a:xfrm>
+          <a:prstGeom prst="rect">
+            <a:avLst/>
+          </a:prstGeom>
+          <a:solidFill>
+            <a:schemeClr val="tx1">
+              <a:alpha val="40000"/>
+            </a:schemeClr>
+          </a:solidFill>
+          <a:ln>
+            <a:noFill/>
+          </a:ln>
+        </p:spPr>
+        <p:style>
+          <a:lnRef idx="2">
+            <a:schemeClr val="accent1">
+              <a:shade val="50000"/>
+            </a:schemeClr>
+          </a:lnRef>
+          <a:fillRef idx="1">
+            <a:schemeClr val="accent1"/>
+          </a:fillRef>
+          <a:effectRef idx="0">
+            <a:schemeClr val="accent1"/>
+          </a:effectRef>
+          <a:fontRef idx="minor">
+            <a:schemeClr val="lt1"/>
+          </a:fontRef>
+        </p:style>
+        <p:txBody>
+          <a:bodyPr rtlCol="0" anchor="ctr"/>
+          <a:lstStyle/>
+          <a:p>
+            <a:pPr algn="ctr"/>
+            <a:endParaRPr kumimoji="1" lang="ja-JP" altLang="en-US"/>
+          </a:p>
+        </p:txBody>
+      </p:sp>
       <p:sp>
         <p:nvSpPr>
           <p:cNvPr id="15" name="角丸四角形 14"/>
@@ -3316,6 +3361,13 @@
               </a:schemeClr>
             </a:solidFill>
           </a:ln>
+          <a:scene3d>
+            <a:camera prst="orthographicFront"/>
+            <a:lightRig rig="threePt" dir="t"/>
+          </a:scene3d>
+          <a:sp3d>
+            <a:bevelT prst="slope"/>
+          </a:sp3d>
         </p:spPr>
         <p:style>
           <a:lnRef idx="2">
@@ -3493,11 +3545,11 @@
           <p:nvPr/>
         </p:nvPicPr>
         <p:blipFill rotWithShape="1">
-          <a:blip r:embed="rId3" cstate="print">
+          <a:blip r:embed="rId2" cstate="print">
             <a:extLst>
               <a:ext uri="{BEBA8EAE-BF5A-486C-A8C5-ECC9F3942E4B}">
                 <a14:imgProps xmlns:a14="http://schemas.microsoft.com/office/drawing/2010/main">
-                  <a14:imgLayer r:embed="rId4">
+                  <a14:imgLayer r:embed="rId3">
                     <a14:imgEffect>
                       <a14:backgroundRemoval t="0" b="100000" l="500" r="100000">
                         <a14:backgroundMark x1="46667" y1="63667" x2="66833" y2="71500"/>
@@ -3826,8 +3878,8 @@
         </p:nvSpPr>
         <p:spPr>
           <a:xfrm>
-            <a:off x="9052215" y="539702"/>
-            <a:ext cx="3400425" cy="523220"/>
+            <a:off x="9194180" y="576658"/>
+            <a:ext cx="2404154" cy="523220"/>
           </a:xfrm>
           <a:prstGeom prst="rect">
             <a:avLst/>
@@ -3997,7 +4049,7 @@
           <p:nvPr/>
         </p:nvPicPr>
         <p:blipFill>
-          <a:blip r:embed="rId5" cstate="print">
+          <a:blip r:embed="rId4" cstate="print">
             <a:extLst>
               <a:ext uri="{28A0092B-C50C-407E-A947-70E740481C1C}">
                 <a14:useLocalDpi xmlns:a14="http://schemas.microsoft.com/office/drawing/2010/main" val="0"/>
@@ -4361,7 +4413,7 @@
           <p:nvPr/>
         </p:nvPicPr>
         <p:blipFill>
-          <a:blip r:embed="rId6" cstate="print">
+          <a:blip r:embed="rId5" cstate="print">
             <a:extLst>
               <a:ext uri="{28A0092B-C50C-407E-A947-70E740481C1C}">
                 <a14:useLocalDpi xmlns:a14="http://schemas.microsoft.com/office/drawing/2010/main" val="0"/>

--- a/PSD/操作説明(コントローラー入り).pptx
+++ b/PSD/操作説明(コントローラー入り).pptx
@@ -3275,7 +3275,7 @@
         </p:nvSpPr>
         <p:spPr>
           <a:xfrm>
-            <a:off x="-4502" y="1"/>
+            <a:off x="0" y="-12724"/>
             <a:ext cx="12192000" cy="6858000"/>
           </a:xfrm>
           <a:prstGeom prst="rect">
@@ -3323,7 +3323,7 @@
         </p:nvSpPr>
         <p:spPr>
           <a:xfrm>
-            <a:off x="251096" y="243753"/>
+            <a:off x="255598" y="430184"/>
             <a:ext cx="6128745" cy="4085548"/>
           </a:xfrm>
           <a:prstGeom prst="roundRect">
@@ -3402,7 +3402,7 @@
         </p:nvSpPr>
         <p:spPr>
           <a:xfrm>
-            <a:off x="6691014" y="340256"/>
+            <a:off x="6695516" y="526687"/>
             <a:ext cx="5090928" cy="3757848"/>
           </a:xfrm>
           <a:prstGeom prst="roundRect">
@@ -3481,7 +3481,7 @@
         </p:nvSpPr>
         <p:spPr>
           <a:xfrm>
-            <a:off x="249950" y="991059"/>
+            <a:off x="254452" y="1177490"/>
             <a:ext cx="7000142" cy="1323439"/>
           </a:xfrm>
           <a:prstGeom prst="rect">
@@ -3568,7 +3568,7 @@
         </p:blipFill>
         <p:spPr bwMode="auto">
           <a:xfrm>
-            <a:off x="7476295" y="1390969"/>
+            <a:off x="7480797" y="1577400"/>
             <a:ext cx="3367645" cy="2963439"/>
           </a:xfrm>
           <a:prstGeom prst="rect">
@@ -3594,7 +3594,7 @@
         </p:nvSpPr>
         <p:spPr>
           <a:xfrm>
-            <a:off x="262198" y="2342074"/>
+            <a:off x="266700" y="2528505"/>
             <a:ext cx="5829300" cy="1661993"/>
           </a:xfrm>
           <a:prstGeom prst="rect">
@@ -3756,7 +3756,7 @@
         </p:nvSpPr>
         <p:spPr>
           <a:xfrm>
-            <a:off x="8196215" y="3229845"/>
+            <a:off x="8200717" y="3416276"/>
             <a:ext cx="1648167" cy="523220"/>
           </a:xfrm>
           <a:prstGeom prst="rect">
@@ -3792,7 +3792,7 @@
         </p:nvSpPr>
         <p:spPr>
           <a:xfrm>
-            <a:off x="10496489" y="1204346"/>
+            <a:off x="10500991" y="1390777"/>
             <a:ext cx="1284367" cy="523220"/>
           </a:xfrm>
           <a:prstGeom prst="rect">
@@ -3828,7 +3828,7 @@
         </p:nvSpPr>
         <p:spPr>
           <a:xfrm>
-            <a:off x="8132039" y="576658"/>
+            <a:off x="8136541" y="763089"/>
             <a:ext cx="909861" cy="469314"/>
           </a:xfrm>
           <a:prstGeom prst="flowChartManualInput">
@@ -3878,7 +3878,7 @@
         </p:nvSpPr>
         <p:spPr>
           <a:xfrm>
-            <a:off x="9194180" y="576658"/>
+            <a:off x="9198682" y="763089"/>
             <a:ext cx="2404154" cy="523220"/>
           </a:xfrm>
           <a:prstGeom prst="rect">
@@ -3914,7 +3914,7 @@
         </p:nvSpPr>
         <p:spPr>
           <a:xfrm>
-            <a:off x="6765222" y="1876060"/>
+            <a:off x="6769724" y="2062491"/>
             <a:ext cx="975761" cy="523220"/>
           </a:xfrm>
           <a:prstGeom prst="rect">
@@ -3950,7 +3950,7 @@
         </p:nvSpPr>
         <p:spPr>
           <a:xfrm>
-            <a:off x="127267" y="4849445"/>
+            <a:off x="131769" y="5035876"/>
             <a:ext cx="11271886" cy="1603341"/>
           </a:xfrm>
           <a:prstGeom prst="roundRect">
@@ -4062,7 +4062,7 @@
         </p:blipFill>
         <p:spPr>
           <a:xfrm>
-            <a:off x="165945" y="4864680"/>
+            <a:off x="170447" y="5051111"/>
             <a:ext cx="1464079" cy="1424181"/>
           </a:xfrm>
           <a:prstGeom prst="rect">
@@ -4078,7 +4078,7 @@
         </p:nvSpPr>
         <p:spPr>
           <a:xfrm>
-            <a:off x="1619180" y="4820904"/>
+            <a:off x="1623682" y="5007335"/>
             <a:ext cx="2375675" cy="707368"/>
           </a:xfrm>
           <a:prstGeom prst="rect">
@@ -4130,7 +4130,7 @@
         </p:nvSpPr>
         <p:spPr>
           <a:xfrm>
-            <a:off x="1479639" y="5408319"/>
+            <a:off x="1484141" y="5594750"/>
             <a:ext cx="4149213" cy="954107"/>
           </a:xfrm>
           <a:prstGeom prst="rect">
@@ -4166,7 +4166,7 @@
         </p:nvCxnSpPr>
         <p:spPr>
           <a:xfrm flipV="1">
-            <a:off x="9194180" y="2608251"/>
+            <a:off x="9198682" y="2794682"/>
             <a:ext cx="854306" cy="541868"/>
           </a:xfrm>
           <a:prstGeom prst="straightConnector1">
@@ -4199,7 +4199,7 @@
         </p:nvCxnSpPr>
         <p:spPr>
           <a:xfrm flipH="1">
-            <a:off x="10356664" y="1716780"/>
+            <a:off x="10361166" y="1903211"/>
             <a:ext cx="354470" cy="735598"/>
           </a:xfrm>
           <a:prstGeom prst="straightConnector1">
@@ -4232,7 +4232,7 @@
         </p:nvCxnSpPr>
         <p:spPr>
           <a:xfrm flipV="1">
-            <a:off x="7659625" y="1820908"/>
+            <a:off x="7664127" y="2007339"/>
             <a:ext cx="925333" cy="312557"/>
           </a:xfrm>
           <a:prstGeom prst="straightConnector1">
@@ -4268,7 +4268,7 @@
         </p:nvCxnSpPr>
         <p:spPr>
           <a:xfrm flipH="1">
-            <a:off x="8956490" y="1052897"/>
+            <a:off x="8960992" y="1239328"/>
             <a:ext cx="635153" cy="520627"/>
           </a:xfrm>
           <a:prstGeom prst="straightConnector1">
@@ -4304,7 +4304,7 @@
         </p:nvSpPr>
         <p:spPr>
           <a:xfrm>
-            <a:off x="7045337" y="4849445"/>
+            <a:off x="7049839" y="5035876"/>
             <a:ext cx="2375675" cy="707368"/>
           </a:xfrm>
           <a:prstGeom prst="rect">
@@ -4356,7 +4356,7 @@
         </p:nvSpPr>
         <p:spPr>
           <a:xfrm>
-            <a:off x="6995298" y="5408318"/>
+            <a:off x="6999800" y="5594749"/>
             <a:ext cx="4527298" cy="954107"/>
           </a:xfrm>
           <a:prstGeom prst="rect">
@@ -4426,7 +4426,7 @@
         </p:blipFill>
         <p:spPr>
           <a:xfrm>
-            <a:off x="5708241" y="4929934"/>
+            <a:off x="5712743" y="5116365"/>
             <a:ext cx="1285701" cy="1285701"/>
           </a:xfrm>
           <a:prstGeom prst="rect">
@@ -4442,7 +4442,7 @@
         </p:nvSpPr>
         <p:spPr>
           <a:xfrm>
-            <a:off x="428805" y="-38617"/>
+            <a:off x="433307" y="186431"/>
             <a:ext cx="2402437" cy="769441"/>
           </a:xfrm>
           <a:prstGeom prst="rect">
